--- a/ppt 16-9/1563.我是祢所造.pptx
+++ b/ppt 16-9/1563.我是祢所造.pptx
@@ -5,7 +5,7 @@
     <p:sldMasterId id="2147483648" r:id="rId1"/>
   </p:sldMasterIdLst>
   <p:sldIdLst>
-    <p:sldId id="3415" r:id="rId2"/>
+    <p:sldId id="3416" r:id="rId2"/>
   </p:sldIdLst>
   <p:sldSz cx="12192000" cy="6858000"/>
   <p:notesSz cx="6858000" cy="9144000"/>
@@ -129,7 +129,7 @@
           <p:cNvPr id="2" name="标题 1">
             <a:extLst>
               <a:ext uri="{FF2B5EF4-FFF2-40B4-BE49-F238E27FC236}">
-                <a16:creationId xmlns:a16="http://schemas.microsoft.com/office/drawing/2014/main" id="{27C1B910-6DB1-57CC-79DF-8FCB1DE3943D}"/>
+                <a16:creationId xmlns:a16="http://schemas.microsoft.com/office/drawing/2014/main" id="{DC578650-0BA2-A840-0AE6-E757685DFFD9}"/>
               </a:ext>
             </a:extLst>
           </p:cNvPr>
@@ -166,7 +166,7 @@
           <p:cNvPr id="3" name="副标题 2">
             <a:extLst>
               <a:ext uri="{FF2B5EF4-FFF2-40B4-BE49-F238E27FC236}">
-                <a16:creationId xmlns:a16="http://schemas.microsoft.com/office/drawing/2014/main" id="{8427F8AD-F613-7BFA-3D63-80FF22B7A109}"/>
+                <a16:creationId xmlns:a16="http://schemas.microsoft.com/office/drawing/2014/main" id="{0E58C19C-77AE-D754-E21C-B2CAE235BA67}"/>
               </a:ext>
             </a:extLst>
           </p:cNvPr>
@@ -236,7 +236,7 @@
           <p:cNvPr id="4" name="日期占位符 3">
             <a:extLst>
               <a:ext uri="{FF2B5EF4-FFF2-40B4-BE49-F238E27FC236}">
-                <a16:creationId xmlns:a16="http://schemas.microsoft.com/office/drawing/2014/main" id="{20FA1CE1-865C-695E-72DF-91CC9124CC72}"/>
+                <a16:creationId xmlns:a16="http://schemas.microsoft.com/office/drawing/2014/main" id="{67D44F96-5690-FD57-1CFD-3B021A3E3641}"/>
               </a:ext>
             </a:extLst>
           </p:cNvPr>
@@ -252,7 +252,7 @@
           <a:bodyPr/>
           <a:lstStyle/>
           <a:p>
-            <a:fld id="{59A1F7B0-1729-417B-9DD9-2291B03EEF32}" type="datetimeFigureOut">
+            <a:fld id="{FF178EBB-043E-4FBC-8DD0-09AB01FC3CE5}" type="datetimeFigureOut">
               <a:rPr lang="zh-CN" altLang="en-US" smtClean="0"/>
               <a:t>2024/3/10</a:t>
             </a:fld>
@@ -265,7 +265,7 @@
           <p:cNvPr id="5" name="页脚占位符 4">
             <a:extLst>
               <a:ext uri="{FF2B5EF4-FFF2-40B4-BE49-F238E27FC236}">
-                <a16:creationId xmlns:a16="http://schemas.microsoft.com/office/drawing/2014/main" id="{41840B30-5C62-2BAF-592B-DECCE4622EFE}"/>
+                <a16:creationId xmlns:a16="http://schemas.microsoft.com/office/drawing/2014/main" id="{724AEDC4-D01C-3FA7-A187-4B1F293F0320}"/>
               </a:ext>
             </a:extLst>
           </p:cNvPr>
@@ -290,7 +290,7 @@
           <p:cNvPr id="6" name="灯片编号占位符 5">
             <a:extLst>
               <a:ext uri="{FF2B5EF4-FFF2-40B4-BE49-F238E27FC236}">
-                <a16:creationId xmlns:a16="http://schemas.microsoft.com/office/drawing/2014/main" id="{2BC47502-A677-FD93-3B1F-45E286309598}"/>
+                <a16:creationId xmlns:a16="http://schemas.microsoft.com/office/drawing/2014/main" id="{96BD77E7-3BBE-FDCE-292E-D9C2AED10A99}"/>
               </a:ext>
             </a:extLst>
           </p:cNvPr>
@@ -306,7 +306,7 @@
           <a:bodyPr/>
           <a:lstStyle/>
           <a:p>
-            <a:fld id="{47ABAE8B-76B0-471E-9274-6E0682F63F2C}" type="slidenum">
+            <a:fld id="{F9978193-79EA-4020-B353-39A01713AF64}" type="slidenum">
               <a:rPr lang="zh-CN" altLang="en-US" smtClean="0"/>
               <a:t>‹#›</a:t>
             </a:fld>
@@ -317,7 +317,7 @@
     </p:spTree>
     <p:extLst>
       <p:ext uri="{BB962C8B-B14F-4D97-AF65-F5344CB8AC3E}">
-        <p14:creationId xmlns:p14="http://schemas.microsoft.com/office/powerpoint/2010/main" val="784769991"/>
+        <p14:creationId xmlns:p14="http://schemas.microsoft.com/office/powerpoint/2010/main" val="98097169"/>
       </p:ext>
     </p:extLst>
   </p:cSld>
@@ -349,7 +349,7 @@
           <p:cNvPr id="2" name="标题 1">
             <a:extLst>
               <a:ext uri="{FF2B5EF4-FFF2-40B4-BE49-F238E27FC236}">
-                <a16:creationId xmlns:a16="http://schemas.microsoft.com/office/drawing/2014/main" id="{B15807E3-BAC6-A017-3CAF-2DC874C7A847}"/>
+                <a16:creationId xmlns:a16="http://schemas.microsoft.com/office/drawing/2014/main" id="{F4EA2EB8-B5BD-4156-2ACC-FC3AFD7E717F}"/>
               </a:ext>
             </a:extLst>
           </p:cNvPr>
@@ -377,7 +377,7 @@
           <p:cNvPr id="3" name="竖排文字占位符 2">
             <a:extLst>
               <a:ext uri="{FF2B5EF4-FFF2-40B4-BE49-F238E27FC236}">
-                <a16:creationId xmlns:a16="http://schemas.microsoft.com/office/drawing/2014/main" id="{C78818F9-240F-6332-A4E6-A10DBD722918}"/>
+                <a16:creationId xmlns:a16="http://schemas.microsoft.com/office/drawing/2014/main" id="{70A2F687-7879-CBFA-E31E-ECA2E928A5EC}"/>
               </a:ext>
             </a:extLst>
           </p:cNvPr>
@@ -434,7 +434,7 @@
           <p:cNvPr id="4" name="日期占位符 3">
             <a:extLst>
               <a:ext uri="{FF2B5EF4-FFF2-40B4-BE49-F238E27FC236}">
-                <a16:creationId xmlns:a16="http://schemas.microsoft.com/office/drawing/2014/main" id="{ECE98719-3AEE-DDE7-0897-2CCA5B7F90FD}"/>
+                <a16:creationId xmlns:a16="http://schemas.microsoft.com/office/drawing/2014/main" id="{0F4A41C3-F943-29E0-ECDB-3FCE46EB88EC}"/>
               </a:ext>
             </a:extLst>
           </p:cNvPr>
@@ -450,7 +450,7 @@
           <a:bodyPr/>
           <a:lstStyle/>
           <a:p>
-            <a:fld id="{59A1F7B0-1729-417B-9DD9-2291B03EEF32}" type="datetimeFigureOut">
+            <a:fld id="{FF178EBB-043E-4FBC-8DD0-09AB01FC3CE5}" type="datetimeFigureOut">
               <a:rPr lang="zh-CN" altLang="en-US" smtClean="0"/>
               <a:t>2024/3/10</a:t>
             </a:fld>
@@ -463,7 +463,7 @@
           <p:cNvPr id="5" name="页脚占位符 4">
             <a:extLst>
               <a:ext uri="{FF2B5EF4-FFF2-40B4-BE49-F238E27FC236}">
-                <a16:creationId xmlns:a16="http://schemas.microsoft.com/office/drawing/2014/main" id="{F7769B20-B2A8-B4BD-066B-FCE78EB27C44}"/>
+                <a16:creationId xmlns:a16="http://schemas.microsoft.com/office/drawing/2014/main" id="{6D57CBB1-133B-B4D3-1BDB-B7E50276EC7A}"/>
               </a:ext>
             </a:extLst>
           </p:cNvPr>
@@ -488,7 +488,7 @@
           <p:cNvPr id="6" name="灯片编号占位符 5">
             <a:extLst>
               <a:ext uri="{FF2B5EF4-FFF2-40B4-BE49-F238E27FC236}">
-                <a16:creationId xmlns:a16="http://schemas.microsoft.com/office/drawing/2014/main" id="{EC109655-C711-881F-251A-3C71F96C049E}"/>
+                <a16:creationId xmlns:a16="http://schemas.microsoft.com/office/drawing/2014/main" id="{36362DE4-D3CE-5129-23C0-88F6F125C4AC}"/>
               </a:ext>
             </a:extLst>
           </p:cNvPr>
@@ -504,7 +504,7 @@
           <a:bodyPr/>
           <a:lstStyle/>
           <a:p>
-            <a:fld id="{47ABAE8B-76B0-471E-9274-6E0682F63F2C}" type="slidenum">
+            <a:fld id="{F9978193-79EA-4020-B353-39A01713AF64}" type="slidenum">
               <a:rPr lang="zh-CN" altLang="en-US" smtClean="0"/>
               <a:t>‹#›</a:t>
             </a:fld>
@@ -515,7 +515,7 @@
     </p:spTree>
     <p:extLst>
       <p:ext uri="{BB962C8B-B14F-4D97-AF65-F5344CB8AC3E}">
-        <p14:creationId xmlns:p14="http://schemas.microsoft.com/office/powerpoint/2010/main" val="786453715"/>
+        <p14:creationId xmlns:p14="http://schemas.microsoft.com/office/powerpoint/2010/main" val="2499909226"/>
       </p:ext>
     </p:extLst>
   </p:cSld>
@@ -547,7 +547,7 @@
           <p:cNvPr id="2" name="竖排标题 1">
             <a:extLst>
               <a:ext uri="{FF2B5EF4-FFF2-40B4-BE49-F238E27FC236}">
-                <a16:creationId xmlns:a16="http://schemas.microsoft.com/office/drawing/2014/main" id="{B87174A5-8DD3-D160-F270-457C8D0BA529}"/>
+                <a16:creationId xmlns:a16="http://schemas.microsoft.com/office/drawing/2014/main" id="{9BB32C58-7F6A-062E-477D-D1E49D7AB7EB}"/>
               </a:ext>
             </a:extLst>
           </p:cNvPr>
@@ -580,7 +580,7 @@
           <p:cNvPr id="3" name="竖排文字占位符 2">
             <a:extLst>
               <a:ext uri="{FF2B5EF4-FFF2-40B4-BE49-F238E27FC236}">
-                <a16:creationId xmlns:a16="http://schemas.microsoft.com/office/drawing/2014/main" id="{DA7348BB-9682-FBC1-A0C9-BD9F5D5E80B9}"/>
+                <a16:creationId xmlns:a16="http://schemas.microsoft.com/office/drawing/2014/main" id="{815B17B3-8448-3CF0-A21B-E75B6A89B8E8}"/>
               </a:ext>
             </a:extLst>
           </p:cNvPr>
@@ -642,7 +642,7 @@
           <p:cNvPr id="4" name="日期占位符 3">
             <a:extLst>
               <a:ext uri="{FF2B5EF4-FFF2-40B4-BE49-F238E27FC236}">
-                <a16:creationId xmlns:a16="http://schemas.microsoft.com/office/drawing/2014/main" id="{A9F572A4-505D-8936-BE42-06793A81DF92}"/>
+                <a16:creationId xmlns:a16="http://schemas.microsoft.com/office/drawing/2014/main" id="{6659EEB7-76E9-D4A4-6929-C69F9F0B9F90}"/>
               </a:ext>
             </a:extLst>
           </p:cNvPr>
@@ -658,7 +658,7 @@
           <a:bodyPr/>
           <a:lstStyle/>
           <a:p>
-            <a:fld id="{59A1F7B0-1729-417B-9DD9-2291B03EEF32}" type="datetimeFigureOut">
+            <a:fld id="{FF178EBB-043E-4FBC-8DD0-09AB01FC3CE5}" type="datetimeFigureOut">
               <a:rPr lang="zh-CN" altLang="en-US" smtClean="0"/>
               <a:t>2024/3/10</a:t>
             </a:fld>
@@ -671,7 +671,7 @@
           <p:cNvPr id="5" name="页脚占位符 4">
             <a:extLst>
               <a:ext uri="{FF2B5EF4-FFF2-40B4-BE49-F238E27FC236}">
-                <a16:creationId xmlns:a16="http://schemas.microsoft.com/office/drawing/2014/main" id="{21A756AA-2F98-97BA-B82B-E3EE5E7C5A7F}"/>
+                <a16:creationId xmlns:a16="http://schemas.microsoft.com/office/drawing/2014/main" id="{B43F36B4-2C3E-66C0-6609-92F75EB134BD}"/>
               </a:ext>
             </a:extLst>
           </p:cNvPr>
@@ -696,7 +696,7 @@
           <p:cNvPr id="6" name="灯片编号占位符 5">
             <a:extLst>
               <a:ext uri="{FF2B5EF4-FFF2-40B4-BE49-F238E27FC236}">
-                <a16:creationId xmlns:a16="http://schemas.microsoft.com/office/drawing/2014/main" id="{17CFD061-B25C-8CA2-9000-9F5C23368C7D}"/>
+                <a16:creationId xmlns:a16="http://schemas.microsoft.com/office/drawing/2014/main" id="{9CC289EE-F852-FA56-6D7F-ACDDA5A3D725}"/>
               </a:ext>
             </a:extLst>
           </p:cNvPr>
@@ -712,7 +712,7 @@
           <a:bodyPr/>
           <a:lstStyle/>
           <a:p>
-            <a:fld id="{47ABAE8B-76B0-471E-9274-6E0682F63F2C}" type="slidenum">
+            <a:fld id="{F9978193-79EA-4020-B353-39A01713AF64}" type="slidenum">
               <a:rPr lang="zh-CN" altLang="en-US" smtClean="0"/>
               <a:t>‹#›</a:t>
             </a:fld>
@@ -723,7 +723,7 @@
     </p:spTree>
     <p:extLst>
       <p:ext uri="{BB962C8B-B14F-4D97-AF65-F5344CB8AC3E}">
-        <p14:creationId xmlns:p14="http://schemas.microsoft.com/office/powerpoint/2010/main" val="3469352659"/>
+        <p14:creationId xmlns:p14="http://schemas.microsoft.com/office/powerpoint/2010/main" val="445502627"/>
       </p:ext>
     </p:extLst>
   </p:cSld>
@@ -755,7 +755,7 @@
           <p:cNvPr id="2" name="标题 1">
             <a:extLst>
               <a:ext uri="{FF2B5EF4-FFF2-40B4-BE49-F238E27FC236}">
-                <a16:creationId xmlns:a16="http://schemas.microsoft.com/office/drawing/2014/main" id="{7F5530DD-3342-220F-87EA-36708336FBE5}"/>
+                <a16:creationId xmlns:a16="http://schemas.microsoft.com/office/drawing/2014/main" id="{E27FCC52-EF66-DEE2-EFCF-207BFE993AF7}"/>
               </a:ext>
             </a:extLst>
           </p:cNvPr>
@@ -783,7 +783,7 @@
           <p:cNvPr id="3" name="内容占位符 2">
             <a:extLst>
               <a:ext uri="{FF2B5EF4-FFF2-40B4-BE49-F238E27FC236}">
-                <a16:creationId xmlns:a16="http://schemas.microsoft.com/office/drawing/2014/main" id="{60DCA970-452A-5206-7EEB-8152F16905AC}"/>
+                <a16:creationId xmlns:a16="http://schemas.microsoft.com/office/drawing/2014/main" id="{A2544CBD-1F19-D967-F5F6-85ACEA8F19C9}"/>
               </a:ext>
             </a:extLst>
           </p:cNvPr>
@@ -840,7 +840,7 @@
           <p:cNvPr id="4" name="日期占位符 3">
             <a:extLst>
               <a:ext uri="{FF2B5EF4-FFF2-40B4-BE49-F238E27FC236}">
-                <a16:creationId xmlns:a16="http://schemas.microsoft.com/office/drawing/2014/main" id="{8A232293-272C-F0E1-E017-A8A51A5CFA50}"/>
+                <a16:creationId xmlns:a16="http://schemas.microsoft.com/office/drawing/2014/main" id="{E2D62697-1450-9DF3-43F2-8B1AD66D6E1B}"/>
               </a:ext>
             </a:extLst>
           </p:cNvPr>
@@ -856,7 +856,7 @@
           <a:bodyPr/>
           <a:lstStyle/>
           <a:p>
-            <a:fld id="{59A1F7B0-1729-417B-9DD9-2291B03EEF32}" type="datetimeFigureOut">
+            <a:fld id="{FF178EBB-043E-4FBC-8DD0-09AB01FC3CE5}" type="datetimeFigureOut">
               <a:rPr lang="zh-CN" altLang="en-US" smtClean="0"/>
               <a:t>2024/3/10</a:t>
             </a:fld>
@@ -869,7 +869,7 @@
           <p:cNvPr id="5" name="页脚占位符 4">
             <a:extLst>
               <a:ext uri="{FF2B5EF4-FFF2-40B4-BE49-F238E27FC236}">
-                <a16:creationId xmlns:a16="http://schemas.microsoft.com/office/drawing/2014/main" id="{1DFAB76B-C05C-0566-43DF-D4D7679E05BD}"/>
+                <a16:creationId xmlns:a16="http://schemas.microsoft.com/office/drawing/2014/main" id="{D4C18C7D-5D71-E5BC-6821-740E2DD8FAF4}"/>
               </a:ext>
             </a:extLst>
           </p:cNvPr>
@@ -894,7 +894,7 @@
           <p:cNvPr id="6" name="灯片编号占位符 5">
             <a:extLst>
               <a:ext uri="{FF2B5EF4-FFF2-40B4-BE49-F238E27FC236}">
-                <a16:creationId xmlns:a16="http://schemas.microsoft.com/office/drawing/2014/main" id="{1437357C-C43E-EA3C-B7FD-5B4E502AB053}"/>
+                <a16:creationId xmlns:a16="http://schemas.microsoft.com/office/drawing/2014/main" id="{62454AB9-F3DB-0103-50CF-8ABAAA474E73}"/>
               </a:ext>
             </a:extLst>
           </p:cNvPr>
@@ -910,7 +910,7 @@
           <a:bodyPr/>
           <a:lstStyle/>
           <a:p>
-            <a:fld id="{47ABAE8B-76B0-471E-9274-6E0682F63F2C}" type="slidenum">
+            <a:fld id="{F9978193-79EA-4020-B353-39A01713AF64}" type="slidenum">
               <a:rPr lang="zh-CN" altLang="en-US" smtClean="0"/>
               <a:t>‹#›</a:t>
             </a:fld>
@@ -921,7 +921,7 @@
     </p:spTree>
     <p:extLst>
       <p:ext uri="{BB962C8B-B14F-4D97-AF65-F5344CB8AC3E}">
-        <p14:creationId xmlns:p14="http://schemas.microsoft.com/office/powerpoint/2010/main" val="32647466"/>
+        <p14:creationId xmlns:p14="http://schemas.microsoft.com/office/powerpoint/2010/main" val="2174408673"/>
       </p:ext>
     </p:extLst>
   </p:cSld>
@@ -953,7 +953,7 @@
           <p:cNvPr id="2" name="标题 1">
             <a:extLst>
               <a:ext uri="{FF2B5EF4-FFF2-40B4-BE49-F238E27FC236}">
-                <a16:creationId xmlns:a16="http://schemas.microsoft.com/office/drawing/2014/main" id="{A068D2CE-5616-504A-ECC2-39277FAB7DCB}"/>
+                <a16:creationId xmlns:a16="http://schemas.microsoft.com/office/drawing/2014/main" id="{33B90388-554F-30E7-54D0-4AC52C0D6BEE}"/>
               </a:ext>
             </a:extLst>
           </p:cNvPr>
@@ -990,7 +990,7 @@
           <p:cNvPr id="3" name="文本占位符 2">
             <a:extLst>
               <a:ext uri="{FF2B5EF4-FFF2-40B4-BE49-F238E27FC236}">
-                <a16:creationId xmlns:a16="http://schemas.microsoft.com/office/drawing/2014/main" id="{C16D0064-63E3-9CA2-BE7C-0261825BA6F1}"/>
+                <a16:creationId xmlns:a16="http://schemas.microsoft.com/office/drawing/2014/main" id="{C6752D6A-9DB2-DD33-11D4-FF33DEABEB82}"/>
               </a:ext>
             </a:extLst>
           </p:cNvPr>
@@ -1115,7 +1115,7 @@
           <p:cNvPr id="4" name="日期占位符 3">
             <a:extLst>
               <a:ext uri="{FF2B5EF4-FFF2-40B4-BE49-F238E27FC236}">
-                <a16:creationId xmlns:a16="http://schemas.microsoft.com/office/drawing/2014/main" id="{1924F667-56CE-42B3-4ECB-C665AE51967B}"/>
+                <a16:creationId xmlns:a16="http://schemas.microsoft.com/office/drawing/2014/main" id="{7EB63CCE-BB81-4837-B8D4-A1C441392AAD}"/>
               </a:ext>
             </a:extLst>
           </p:cNvPr>
@@ -1131,7 +1131,7 @@
           <a:bodyPr/>
           <a:lstStyle/>
           <a:p>
-            <a:fld id="{59A1F7B0-1729-417B-9DD9-2291B03EEF32}" type="datetimeFigureOut">
+            <a:fld id="{FF178EBB-043E-4FBC-8DD0-09AB01FC3CE5}" type="datetimeFigureOut">
               <a:rPr lang="zh-CN" altLang="en-US" smtClean="0"/>
               <a:t>2024/3/10</a:t>
             </a:fld>
@@ -1144,7 +1144,7 @@
           <p:cNvPr id="5" name="页脚占位符 4">
             <a:extLst>
               <a:ext uri="{FF2B5EF4-FFF2-40B4-BE49-F238E27FC236}">
-                <a16:creationId xmlns:a16="http://schemas.microsoft.com/office/drawing/2014/main" id="{7AA805E5-1151-8DC2-76D5-73D22A973F20}"/>
+                <a16:creationId xmlns:a16="http://schemas.microsoft.com/office/drawing/2014/main" id="{09A21CE9-FBFC-7E62-BB6E-204978106B91}"/>
               </a:ext>
             </a:extLst>
           </p:cNvPr>
@@ -1169,7 +1169,7 @@
           <p:cNvPr id="6" name="灯片编号占位符 5">
             <a:extLst>
               <a:ext uri="{FF2B5EF4-FFF2-40B4-BE49-F238E27FC236}">
-                <a16:creationId xmlns:a16="http://schemas.microsoft.com/office/drawing/2014/main" id="{E4E5B1B5-0935-47DC-F69D-D45E1D1F8331}"/>
+                <a16:creationId xmlns:a16="http://schemas.microsoft.com/office/drawing/2014/main" id="{2DB29885-FB0E-C305-8E45-2CC404DA92B0}"/>
               </a:ext>
             </a:extLst>
           </p:cNvPr>
@@ -1185,7 +1185,7 @@
           <a:bodyPr/>
           <a:lstStyle/>
           <a:p>
-            <a:fld id="{47ABAE8B-76B0-471E-9274-6E0682F63F2C}" type="slidenum">
+            <a:fld id="{F9978193-79EA-4020-B353-39A01713AF64}" type="slidenum">
               <a:rPr lang="zh-CN" altLang="en-US" smtClean="0"/>
               <a:t>‹#›</a:t>
             </a:fld>
@@ -1196,7 +1196,7 @@
     </p:spTree>
     <p:extLst>
       <p:ext uri="{BB962C8B-B14F-4D97-AF65-F5344CB8AC3E}">
-        <p14:creationId xmlns:p14="http://schemas.microsoft.com/office/powerpoint/2010/main" val="3186834268"/>
+        <p14:creationId xmlns:p14="http://schemas.microsoft.com/office/powerpoint/2010/main" val="2801539069"/>
       </p:ext>
     </p:extLst>
   </p:cSld>
@@ -1228,7 +1228,7 @@
           <p:cNvPr id="2" name="标题 1">
             <a:extLst>
               <a:ext uri="{FF2B5EF4-FFF2-40B4-BE49-F238E27FC236}">
-                <a16:creationId xmlns:a16="http://schemas.microsoft.com/office/drawing/2014/main" id="{BA1FDD61-95E7-82A8-8873-B1559D20153F}"/>
+                <a16:creationId xmlns:a16="http://schemas.microsoft.com/office/drawing/2014/main" id="{EB02C551-A0AB-F5B5-4F17-49EFB0B9A83C}"/>
               </a:ext>
             </a:extLst>
           </p:cNvPr>
@@ -1256,7 +1256,7 @@
           <p:cNvPr id="3" name="内容占位符 2">
             <a:extLst>
               <a:ext uri="{FF2B5EF4-FFF2-40B4-BE49-F238E27FC236}">
-                <a16:creationId xmlns:a16="http://schemas.microsoft.com/office/drawing/2014/main" id="{0983A30C-81C5-87EB-4487-9BE9A6B3B6C9}"/>
+                <a16:creationId xmlns:a16="http://schemas.microsoft.com/office/drawing/2014/main" id="{03DA95FB-A597-F7BE-E264-D501AED6AD0A}"/>
               </a:ext>
             </a:extLst>
           </p:cNvPr>
@@ -1318,7 +1318,7 @@
           <p:cNvPr id="4" name="内容占位符 3">
             <a:extLst>
               <a:ext uri="{FF2B5EF4-FFF2-40B4-BE49-F238E27FC236}">
-                <a16:creationId xmlns:a16="http://schemas.microsoft.com/office/drawing/2014/main" id="{656EBB12-FBD5-13D9-D5A3-211BE3889EDC}"/>
+                <a16:creationId xmlns:a16="http://schemas.microsoft.com/office/drawing/2014/main" id="{6728FF95-0280-C7F2-822D-E14FFD7F2537}"/>
               </a:ext>
             </a:extLst>
           </p:cNvPr>
@@ -1380,7 +1380,7 @@
           <p:cNvPr id="5" name="日期占位符 4">
             <a:extLst>
               <a:ext uri="{FF2B5EF4-FFF2-40B4-BE49-F238E27FC236}">
-                <a16:creationId xmlns:a16="http://schemas.microsoft.com/office/drawing/2014/main" id="{7B591F20-9972-AE2E-5CB8-952823AB334F}"/>
+                <a16:creationId xmlns:a16="http://schemas.microsoft.com/office/drawing/2014/main" id="{03FCFEE5-E68D-7DF0-D709-BCA6F0E406BC}"/>
               </a:ext>
             </a:extLst>
           </p:cNvPr>
@@ -1396,7 +1396,7 @@
           <a:bodyPr/>
           <a:lstStyle/>
           <a:p>
-            <a:fld id="{59A1F7B0-1729-417B-9DD9-2291B03EEF32}" type="datetimeFigureOut">
+            <a:fld id="{FF178EBB-043E-4FBC-8DD0-09AB01FC3CE5}" type="datetimeFigureOut">
               <a:rPr lang="zh-CN" altLang="en-US" smtClean="0"/>
               <a:t>2024/3/10</a:t>
             </a:fld>
@@ -1409,7 +1409,7 @@
           <p:cNvPr id="6" name="页脚占位符 5">
             <a:extLst>
               <a:ext uri="{FF2B5EF4-FFF2-40B4-BE49-F238E27FC236}">
-                <a16:creationId xmlns:a16="http://schemas.microsoft.com/office/drawing/2014/main" id="{FB010FB0-D6E3-4B5E-A6EA-4A5D5C39CBF1}"/>
+                <a16:creationId xmlns:a16="http://schemas.microsoft.com/office/drawing/2014/main" id="{C045D011-B9A4-F585-31BA-7B70F60705C9}"/>
               </a:ext>
             </a:extLst>
           </p:cNvPr>
@@ -1434,7 +1434,7 @@
           <p:cNvPr id="7" name="灯片编号占位符 6">
             <a:extLst>
               <a:ext uri="{FF2B5EF4-FFF2-40B4-BE49-F238E27FC236}">
-                <a16:creationId xmlns:a16="http://schemas.microsoft.com/office/drawing/2014/main" id="{32A33D2C-361D-0146-A73A-4E08F6BBE6B1}"/>
+                <a16:creationId xmlns:a16="http://schemas.microsoft.com/office/drawing/2014/main" id="{DD12E9F2-3F18-5816-B4B5-4C39609BB9F4}"/>
               </a:ext>
             </a:extLst>
           </p:cNvPr>
@@ -1450,7 +1450,7 @@
           <a:bodyPr/>
           <a:lstStyle/>
           <a:p>
-            <a:fld id="{47ABAE8B-76B0-471E-9274-6E0682F63F2C}" type="slidenum">
+            <a:fld id="{F9978193-79EA-4020-B353-39A01713AF64}" type="slidenum">
               <a:rPr lang="zh-CN" altLang="en-US" smtClean="0"/>
               <a:t>‹#›</a:t>
             </a:fld>
@@ -1461,7 +1461,7 @@
     </p:spTree>
     <p:extLst>
       <p:ext uri="{BB962C8B-B14F-4D97-AF65-F5344CB8AC3E}">
-        <p14:creationId xmlns:p14="http://schemas.microsoft.com/office/powerpoint/2010/main" val="999031821"/>
+        <p14:creationId xmlns:p14="http://schemas.microsoft.com/office/powerpoint/2010/main" val="3669451736"/>
       </p:ext>
     </p:extLst>
   </p:cSld>
@@ -1493,7 +1493,7 @@
           <p:cNvPr id="2" name="标题 1">
             <a:extLst>
               <a:ext uri="{FF2B5EF4-FFF2-40B4-BE49-F238E27FC236}">
-                <a16:creationId xmlns:a16="http://schemas.microsoft.com/office/drawing/2014/main" id="{D10DEAAE-FE56-8A32-5154-968B939BB8D6}"/>
+                <a16:creationId xmlns:a16="http://schemas.microsoft.com/office/drawing/2014/main" id="{CDB997F5-A035-0976-765D-38386CE85662}"/>
               </a:ext>
             </a:extLst>
           </p:cNvPr>
@@ -1526,7 +1526,7 @@
           <p:cNvPr id="3" name="文本占位符 2">
             <a:extLst>
               <a:ext uri="{FF2B5EF4-FFF2-40B4-BE49-F238E27FC236}">
-                <a16:creationId xmlns:a16="http://schemas.microsoft.com/office/drawing/2014/main" id="{520B62CF-ECD9-C1EF-D021-E9E83B886E28}"/>
+                <a16:creationId xmlns:a16="http://schemas.microsoft.com/office/drawing/2014/main" id="{6A4338D5-BC87-C0F8-F35E-4E423FF6E09F}"/>
               </a:ext>
             </a:extLst>
           </p:cNvPr>
@@ -1597,7 +1597,7 @@
           <p:cNvPr id="4" name="内容占位符 3">
             <a:extLst>
               <a:ext uri="{FF2B5EF4-FFF2-40B4-BE49-F238E27FC236}">
-                <a16:creationId xmlns:a16="http://schemas.microsoft.com/office/drawing/2014/main" id="{1C3E9912-60D5-1D8D-3553-645B901E8427}"/>
+                <a16:creationId xmlns:a16="http://schemas.microsoft.com/office/drawing/2014/main" id="{4CDDCB4E-41A3-3637-8A1B-4A973866813C}"/>
               </a:ext>
             </a:extLst>
           </p:cNvPr>
@@ -1659,7 +1659,7 @@
           <p:cNvPr id="5" name="文本占位符 4">
             <a:extLst>
               <a:ext uri="{FF2B5EF4-FFF2-40B4-BE49-F238E27FC236}">
-                <a16:creationId xmlns:a16="http://schemas.microsoft.com/office/drawing/2014/main" id="{F79AF53C-B415-D4C4-1DD5-39D662F7F048}"/>
+                <a16:creationId xmlns:a16="http://schemas.microsoft.com/office/drawing/2014/main" id="{DE8F085A-93D3-3083-BC9B-EACB7528199C}"/>
               </a:ext>
             </a:extLst>
           </p:cNvPr>
@@ -1730,7 +1730,7 @@
           <p:cNvPr id="6" name="内容占位符 5">
             <a:extLst>
               <a:ext uri="{FF2B5EF4-FFF2-40B4-BE49-F238E27FC236}">
-                <a16:creationId xmlns:a16="http://schemas.microsoft.com/office/drawing/2014/main" id="{6388F754-2372-0C11-F761-99F546889AAC}"/>
+                <a16:creationId xmlns:a16="http://schemas.microsoft.com/office/drawing/2014/main" id="{B91C12AF-2DF9-C9EB-9D23-20DD07580CF4}"/>
               </a:ext>
             </a:extLst>
           </p:cNvPr>
@@ -1792,7 +1792,7 @@
           <p:cNvPr id="7" name="日期占位符 6">
             <a:extLst>
               <a:ext uri="{FF2B5EF4-FFF2-40B4-BE49-F238E27FC236}">
-                <a16:creationId xmlns:a16="http://schemas.microsoft.com/office/drawing/2014/main" id="{A47D1872-A5DE-95E2-0188-CE24925CB8A0}"/>
+                <a16:creationId xmlns:a16="http://schemas.microsoft.com/office/drawing/2014/main" id="{E877404B-6622-6E19-CF47-AC19AAFBA131}"/>
               </a:ext>
             </a:extLst>
           </p:cNvPr>
@@ -1808,7 +1808,7 @@
           <a:bodyPr/>
           <a:lstStyle/>
           <a:p>
-            <a:fld id="{59A1F7B0-1729-417B-9DD9-2291B03EEF32}" type="datetimeFigureOut">
+            <a:fld id="{FF178EBB-043E-4FBC-8DD0-09AB01FC3CE5}" type="datetimeFigureOut">
               <a:rPr lang="zh-CN" altLang="en-US" smtClean="0"/>
               <a:t>2024/3/10</a:t>
             </a:fld>
@@ -1821,7 +1821,7 @@
           <p:cNvPr id="8" name="页脚占位符 7">
             <a:extLst>
               <a:ext uri="{FF2B5EF4-FFF2-40B4-BE49-F238E27FC236}">
-                <a16:creationId xmlns:a16="http://schemas.microsoft.com/office/drawing/2014/main" id="{A560A7FC-3EC2-CE0A-B93E-E64E8A79FEB6}"/>
+                <a16:creationId xmlns:a16="http://schemas.microsoft.com/office/drawing/2014/main" id="{6EC3703D-9079-D142-4C3E-9E445EAE51A6}"/>
               </a:ext>
             </a:extLst>
           </p:cNvPr>
@@ -1846,7 +1846,7 @@
           <p:cNvPr id="9" name="灯片编号占位符 8">
             <a:extLst>
               <a:ext uri="{FF2B5EF4-FFF2-40B4-BE49-F238E27FC236}">
-                <a16:creationId xmlns:a16="http://schemas.microsoft.com/office/drawing/2014/main" id="{D62E608C-F0BA-3DD2-9BB9-67C126F492C1}"/>
+                <a16:creationId xmlns:a16="http://schemas.microsoft.com/office/drawing/2014/main" id="{5815EBDE-DBF6-9E0A-F102-4FBE36AB1C7E}"/>
               </a:ext>
             </a:extLst>
           </p:cNvPr>
@@ -1862,7 +1862,7 @@
           <a:bodyPr/>
           <a:lstStyle/>
           <a:p>
-            <a:fld id="{47ABAE8B-76B0-471E-9274-6E0682F63F2C}" type="slidenum">
+            <a:fld id="{F9978193-79EA-4020-B353-39A01713AF64}" type="slidenum">
               <a:rPr lang="zh-CN" altLang="en-US" smtClean="0"/>
               <a:t>‹#›</a:t>
             </a:fld>
@@ -1873,7 +1873,7 @@
     </p:spTree>
     <p:extLst>
       <p:ext uri="{BB962C8B-B14F-4D97-AF65-F5344CB8AC3E}">
-        <p14:creationId xmlns:p14="http://schemas.microsoft.com/office/powerpoint/2010/main" val="2786175458"/>
+        <p14:creationId xmlns:p14="http://schemas.microsoft.com/office/powerpoint/2010/main" val="4221369925"/>
       </p:ext>
     </p:extLst>
   </p:cSld>
@@ -1905,7 +1905,7 @@
           <p:cNvPr id="2" name="标题 1">
             <a:extLst>
               <a:ext uri="{FF2B5EF4-FFF2-40B4-BE49-F238E27FC236}">
-                <a16:creationId xmlns:a16="http://schemas.microsoft.com/office/drawing/2014/main" id="{E3C73096-6D05-F16F-82EF-67BC503ED3FC}"/>
+                <a16:creationId xmlns:a16="http://schemas.microsoft.com/office/drawing/2014/main" id="{132289A1-CB21-D399-352A-80773A8F3BB5}"/>
               </a:ext>
             </a:extLst>
           </p:cNvPr>
@@ -1933,7 +1933,7 @@
           <p:cNvPr id="3" name="日期占位符 2">
             <a:extLst>
               <a:ext uri="{FF2B5EF4-FFF2-40B4-BE49-F238E27FC236}">
-                <a16:creationId xmlns:a16="http://schemas.microsoft.com/office/drawing/2014/main" id="{B22433C3-0CCC-2D4C-44D5-588C2C7703F4}"/>
+                <a16:creationId xmlns:a16="http://schemas.microsoft.com/office/drawing/2014/main" id="{6AD19082-51FD-DDA9-DCA2-F38B86C81548}"/>
               </a:ext>
             </a:extLst>
           </p:cNvPr>
@@ -1949,7 +1949,7 @@
           <a:bodyPr/>
           <a:lstStyle/>
           <a:p>
-            <a:fld id="{59A1F7B0-1729-417B-9DD9-2291B03EEF32}" type="datetimeFigureOut">
+            <a:fld id="{FF178EBB-043E-4FBC-8DD0-09AB01FC3CE5}" type="datetimeFigureOut">
               <a:rPr lang="zh-CN" altLang="en-US" smtClean="0"/>
               <a:t>2024/3/10</a:t>
             </a:fld>
@@ -1962,7 +1962,7 @@
           <p:cNvPr id="4" name="页脚占位符 3">
             <a:extLst>
               <a:ext uri="{FF2B5EF4-FFF2-40B4-BE49-F238E27FC236}">
-                <a16:creationId xmlns:a16="http://schemas.microsoft.com/office/drawing/2014/main" id="{E4334DF0-20D1-C938-F741-A867C9E867C5}"/>
+                <a16:creationId xmlns:a16="http://schemas.microsoft.com/office/drawing/2014/main" id="{3AE7D4DF-C338-7B94-FE6D-AC0ADA83ED81}"/>
               </a:ext>
             </a:extLst>
           </p:cNvPr>
@@ -1987,7 +1987,7 @@
           <p:cNvPr id="5" name="灯片编号占位符 4">
             <a:extLst>
               <a:ext uri="{FF2B5EF4-FFF2-40B4-BE49-F238E27FC236}">
-                <a16:creationId xmlns:a16="http://schemas.microsoft.com/office/drawing/2014/main" id="{26F06B5C-08FF-0CC5-5C54-1ED0100320D0}"/>
+                <a16:creationId xmlns:a16="http://schemas.microsoft.com/office/drawing/2014/main" id="{5BB02C99-CA4D-5252-BAFA-F1CE05FC9EF9}"/>
               </a:ext>
             </a:extLst>
           </p:cNvPr>
@@ -2003,7 +2003,7 @@
           <a:bodyPr/>
           <a:lstStyle/>
           <a:p>
-            <a:fld id="{47ABAE8B-76B0-471E-9274-6E0682F63F2C}" type="slidenum">
+            <a:fld id="{F9978193-79EA-4020-B353-39A01713AF64}" type="slidenum">
               <a:rPr lang="zh-CN" altLang="en-US" smtClean="0"/>
               <a:t>‹#›</a:t>
             </a:fld>
@@ -2014,7 +2014,7 @@
     </p:spTree>
     <p:extLst>
       <p:ext uri="{BB962C8B-B14F-4D97-AF65-F5344CB8AC3E}">
-        <p14:creationId xmlns:p14="http://schemas.microsoft.com/office/powerpoint/2010/main" val="1726860645"/>
+        <p14:creationId xmlns:p14="http://schemas.microsoft.com/office/powerpoint/2010/main" val="1031669805"/>
       </p:ext>
     </p:extLst>
   </p:cSld>
@@ -2046,7 +2046,7 @@
           <p:cNvPr id="2" name="日期占位符 1">
             <a:extLst>
               <a:ext uri="{FF2B5EF4-FFF2-40B4-BE49-F238E27FC236}">
-                <a16:creationId xmlns:a16="http://schemas.microsoft.com/office/drawing/2014/main" id="{527CB4AC-0BA6-9106-CB45-59E5FF320722}"/>
+                <a16:creationId xmlns:a16="http://schemas.microsoft.com/office/drawing/2014/main" id="{6AF8324C-145A-4E6C-E776-6B244F789BB4}"/>
               </a:ext>
             </a:extLst>
           </p:cNvPr>
@@ -2062,7 +2062,7 @@
           <a:bodyPr/>
           <a:lstStyle/>
           <a:p>
-            <a:fld id="{59A1F7B0-1729-417B-9DD9-2291B03EEF32}" type="datetimeFigureOut">
+            <a:fld id="{FF178EBB-043E-4FBC-8DD0-09AB01FC3CE5}" type="datetimeFigureOut">
               <a:rPr lang="zh-CN" altLang="en-US" smtClean="0"/>
               <a:t>2024/3/10</a:t>
             </a:fld>
@@ -2075,7 +2075,7 @@
           <p:cNvPr id="3" name="页脚占位符 2">
             <a:extLst>
               <a:ext uri="{FF2B5EF4-FFF2-40B4-BE49-F238E27FC236}">
-                <a16:creationId xmlns:a16="http://schemas.microsoft.com/office/drawing/2014/main" id="{DD7A8AD4-94AE-10D0-FA08-A2D1C77348CB}"/>
+                <a16:creationId xmlns:a16="http://schemas.microsoft.com/office/drawing/2014/main" id="{87E3DD88-DC19-0C00-CE5B-29DF697C43A7}"/>
               </a:ext>
             </a:extLst>
           </p:cNvPr>
@@ -2100,7 +2100,7 @@
           <p:cNvPr id="4" name="灯片编号占位符 3">
             <a:extLst>
               <a:ext uri="{FF2B5EF4-FFF2-40B4-BE49-F238E27FC236}">
-                <a16:creationId xmlns:a16="http://schemas.microsoft.com/office/drawing/2014/main" id="{5C05A8AE-B6C1-38D2-F9C7-8E337DCA5AA4}"/>
+                <a16:creationId xmlns:a16="http://schemas.microsoft.com/office/drawing/2014/main" id="{DD0A38AC-F35F-BA10-5E64-70491F81A4AE}"/>
               </a:ext>
             </a:extLst>
           </p:cNvPr>
@@ -2116,7 +2116,7 @@
           <a:bodyPr/>
           <a:lstStyle/>
           <a:p>
-            <a:fld id="{47ABAE8B-76B0-471E-9274-6E0682F63F2C}" type="slidenum">
+            <a:fld id="{F9978193-79EA-4020-B353-39A01713AF64}" type="slidenum">
               <a:rPr lang="zh-CN" altLang="en-US" smtClean="0"/>
               <a:t>‹#›</a:t>
             </a:fld>
@@ -2127,7 +2127,7 @@
     </p:spTree>
     <p:extLst>
       <p:ext uri="{BB962C8B-B14F-4D97-AF65-F5344CB8AC3E}">
-        <p14:creationId xmlns:p14="http://schemas.microsoft.com/office/powerpoint/2010/main" val="4115210911"/>
+        <p14:creationId xmlns:p14="http://schemas.microsoft.com/office/powerpoint/2010/main" val="2814172369"/>
       </p:ext>
     </p:extLst>
   </p:cSld>
@@ -2159,7 +2159,7 @@
           <p:cNvPr id="2" name="标题 1">
             <a:extLst>
               <a:ext uri="{FF2B5EF4-FFF2-40B4-BE49-F238E27FC236}">
-                <a16:creationId xmlns:a16="http://schemas.microsoft.com/office/drawing/2014/main" id="{DEAEE6FC-44AF-E77E-0CEF-ED5657535886}"/>
+                <a16:creationId xmlns:a16="http://schemas.microsoft.com/office/drawing/2014/main" id="{E731FD10-D26C-80FA-0696-52EA0C20434A}"/>
               </a:ext>
             </a:extLst>
           </p:cNvPr>
@@ -2196,7 +2196,7 @@
           <p:cNvPr id="3" name="内容占位符 2">
             <a:extLst>
               <a:ext uri="{FF2B5EF4-FFF2-40B4-BE49-F238E27FC236}">
-                <a16:creationId xmlns:a16="http://schemas.microsoft.com/office/drawing/2014/main" id="{4AE27CE7-9801-8CC9-45B2-567BD56C3853}"/>
+                <a16:creationId xmlns:a16="http://schemas.microsoft.com/office/drawing/2014/main" id="{374AA459-5051-EFBC-9711-106B78A46E59}"/>
               </a:ext>
             </a:extLst>
           </p:cNvPr>
@@ -2286,7 +2286,7 @@
           <p:cNvPr id="4" name="文本占位符 3">
             <a:extLst>
               <a:ext uri="{FF2B5EF4-FFF2-40B4-BE49-F238E27FC236}">
-                <a16:creationId xmlns:a16="http://schemas.microsoft.com/office/drawing/2014/main" id="{D5810A29-BE60-5E0C-626F-08E2DA7F9113}"/>
+                <a16:creationId xmlns:a16="http://schemas.microsoft.com/office/drawing/2014/main" id="{D3CA0D92-35D6-C8A4-AC87-236E24F50F0F}"/>
               </a:ext>
             </a:extLst>
           </p:cNvPr>
@@ -2357,7 +2357,7 @@
           <p:cNvPr id="5" name="日期占位符 4">
             <a:extLst>
               <a:ext uri="{FF2B5EF4-FFF2-40B4-BE49-F238E27FC236}">
-                <a16:creationId xmlns:a16="http://schemas.microsoft.com/office/drawing/2014/main" id="{9E668E7C-B5AC-8CA2-5483-B7F112188815}"/>
+                <a16:creationId xmlns:a16="http://schemas.microsoft.com/office/drawing/2014/main" id="{2AEABDB7-8A52-3128-1AF1-C3E8B81BFBDE}"/>
               </a:ext>
             </a:extLst>
           </p:cNvPr>
@@ -2373,7 +2373,7 @@
           <a:bodyPr/>
           <a:lstStyle/>
           <a:p>
-            <a:fld id="{59A1F7B0-1729-417B-9DD9-2291B03EEF32}" type="datetimeFigureOut">
+            <a:fld id="{FF178EBB-043E-4FBC-8DD0-09AB01FC3CE5}" type="datetimeFigureOut">
               <a:rPr lang="zh-CN" altLang="en-US" smtClean="0"/>
               <a:t>2024/3/10</a:t>
             </a:fld>
@@ -2386,7 +2386,7 @@
           <p:cNvPr id="6" name="页脚占位符 5">
             <a:extLst>
               <a:ext uri="{FF2B5EF4-FFF2-40B4-BE49-F238E27FC236}">
-                <a16:creationId xmlns:a16="http://schemas.microsoft.com/office/drawing/2014/main" id="{E9160F39-299B-8EF9-FC25-4838636F3C41}"/>
+                <a16:creationId xmlns:a16="http://schemas.microsoft.com/office/drawing/2014/main" id="{087CB051-1C37-98F9-1CA4-723AB1D17947}"/>
               </a:ext>
             </a:extLst>
           </p:cNvPr>
@@ -2411,7 +2411,7 @@
           <p:cNvPr id="7" name="灯片编号占位符 6">
             <a:extLst>
               <a:ext uri="{FF2B5EF4-FFF2-40B4-BE49-F238E27FC236}">
-                <a16:creationId xmlns:a16="http://schemas.microsoft.com/office/drawing/2014/main" id="{3BFBB69B-D577-5356-B793-7C31E685BED9}"/>
+                <a16:creationId xmlns:a16="http://schemas.microsoft.com/office/drawing/2014/main" id="{70A7D5BE-E781-351A-8C98-A5AD2378435B}"/>
               </a:ext>
             </a:extLst>
           </p:cNvPr>
@@ -2427,7 +2427,7 @@
           <a:bodyPr/>
           <a:lstStyle/>
           <a:p>
-            <a:fld id="{47ABAE8B-76B0-471E-9274-6E0682F63F2C}" type="slidenum">
+            <a:fld id="{F9978193-79EA-4020-B353-39A01713AF64}" type="slidenum">
               <a:rPr lang="zh-CN" altLang="en-US" smtClean="0"/>
               <a:t>‹#›</a:t>
             </a:fld>
@@ -2438,7 +2438,7 @@
     </p:spTree>
     <p:extLst>
       <p:ext uri="{BB962C8B-B14F-4D97-AF65-F5344CB8AC3E}">
-        <p14:creationId xmlns:p14="http://schemas.microsoft.com/office/powerpoint/2010/main" val="86349213"/>
+        <p14:creationId xmlns:p14="http://schemas.microsoft.com/office/powerpoint/2010/main" val="3060709907"/>
       </p:ext>
     </p:extLst>
   </p:cSld>
@@ -2470,7 +2470,7 @@
           <p:cNvPr id="2" name="标题 1">
             <a:extLst>
               <a:ext uri="{FF2B5EF4-FFF2-40B4-BE49-F238E27FC236}">
-                <a16:creationId xmlns:a16="http://schemas.microsoft.com/office/drawing/2014/main" id="{3636387D-B7A9-64B0-5758-346C948C2FF4}"/>
+                <a16:creationId xmlns:a16="http://schemas.microsoft.com/office/drawing/2014/main" id="{C2039FA2-730A-D9B0-D1C3-A0F420BD401D}"/>
               </a:ext>
             </a:extLst>
           </p:cNvPr>
@@ -2507,7 +2507,7 @@
           <p:cNvPr id="3" name="图片占位符 2">
             <a:extLst>
               <a:ext uri="{FF2B5EF4-FFF2-40B4-BE49-F238E27FC236}">
-                <a16:creationId xmlns:a16="http://schemas.microsoft.com/office/drawing/2014/main" id="{D7F142A2-7B0B-3ACF-7490-D2CB3D60CC02}"/>
+                <a16:creationId xmlns:a16="http://schemas.microsoft.com/office/drawing/2014/main" id="{49052152-42C9-D5A4-17F5-BA34538E3F2A}"/>
               </a:ext>
             </a:extLst>
           </p:cNvPr>
@@ -2574,7 +2574,7 @@
           <p:cNvPr id="4" name="文本占位符 3">
             <a:extLst>
               <a:ext uri="{FF2B5EF4-FFF2-40B4-BE49-F238E27FC236}">
-                <a16:creationId xmlns:a16="http://schemas.microsoft.com/office/drawing/2014/main" id="{C2F569EA-4806-D8E1-C433-B7A50AAB2B68}"/>
+                <a16:creationId xmlns:a16="http://schemas.microsoft.com/office/drawing/2014/main" id="{9F3AB2B4-AD1B-41B4-49C1-AA69E7847CD8}"/>
               </a:ext>
             </a:extLst>
           </p:cNvPr>
@@ -2645,7 +2645,7 @@
           <p:cNvPr id="5" name="日期占位符 4">
             <a:extLst>
               <a:ext uri="{FF2B5EF4-FFF2-40B4-BE49-F238E27FC236}">
-                <a16:creationId xmlns:a16="http://schemas.microsoft.com/office/drawing/2014/main" id="{F95E0E97-BD8F-95BD-9748-0340DCB0522E}"/>
+                <a16:creationId xmlns:a16="http://schemas.microsoft.com/office/drawing/2014/main" id="{2BB398E7-5010-CBCA-F705-D166F1682318}"/>
               </a:ext>
             </a:extLst>
           </p:cNvPr>
@@ -2661,7 +2661,7 @@
           <a:bodyPr/>
           <a:lstStyle/>
           <a:p>
-            <a:fld id="{59A1F7B0-1729-417B-9DD9-2291B03EEF32}" type="datetimeFigureOut">
+            <a:fld id="{FF178EBB-043E-4FBC-8DD0-09AB01FC3CE5}" type="datetimeFigureOut">
               <a:rPr lang="zh-CN" altLang="en-US" smtClean="0"/>
               <a:t>2024/3/10</a:t>
             </a:fld>
@@ -2674,7 +2674,7 @@
           <p:cNvPr id="6" name="页脚占位符 5">
             <a:extLst>
               <a:ext uri="{FF2B5EF4-FFF2-40B4-BE49-F238E27FC236}">
-                <a16:creationId xmlns:a16="http://schemas.microsoft.com/office/drawing/2014/main" id="{AC5E2C5A-A3D7-1391-836F-4A89A5865EA6}"/>
+                <a16:creationId xmlns:a16="http://schemas.microsoft.com/office/drawing/2014/main" id="{6F1A3062-F467-353E-DF9D-33B584C6487B}"/>
               </a:ext>
             </a:extLst>
           </p:cNvPr>
@@ -2699,7 +2699,7 @@
           <p:cNvPr id="7" name="灯片编号占位符 6">
             <a:extLst>
               <a:ext uri="{FF2B5EF4-FFF2-40B4-BE49-F238E27FC236}">
-                <a16:creationId xmlns:a16="http://schemas.microsoft.com/office/drawing/2014/main" id="{7F42577B-0FFD-CCF0-CE39-6AE7AF2B74AF}"/>
+                <a16:creationId xmlns:a16="http://schemas.microsoft.com/office/drawing/2014/main" id="{00023D32-1087-B6B4-5B0A-6958BCCF0CBA}"/>
               </a:ext>
             </a:extLst>
           </p:cNvPr>
@@ -2715,7 +2715,7 @@
           <a:bodyPr/>
           <a:lstStyle/>
           <a:p>
-            <a:fld id="{47ABAE8B-76B0-471E-9274-6E0682F63F2C}" type="slidenum">
+            <a:fld id="{F9978193-79EA-4020-B353-39A01713AF64}" type="slidenum">
               <a:rPr lang="zh-CN" altLang="en-US" smtClean="0"/>
               <a:t>‹#›</a:t>
             </a:fld>
@@ -2726,7 +2726,7 @@
     </p:spTree>
     <p:extLst>
       <p:ext uri="{BB962C8B-B14F-4D97-AF65-F5344CB8AC3E}">
-        <p14:creationId xmlns:p14="http://schemas.microsoft.com/office/powerpoint/2010/main" val="2680259512"/>
+        <p14:creationId xmlns:p14="http://schemas.microsoft.com/office/powerpoint/2010/main" val="4005563542"/>
       </p:ext>
     </p:extLst>
   </p:cSld>
@@ -2763,7 +2763,7 @@
           <p:cNvPr id="2" name="标题占位符 1">
             <a:extLst>
               <a:ext uri="{FF2B5EF4-FFF2-40B4-BE49-F238E27FC236}">
-                <a16:creationId xmlns:a16="http://schemas.microsoft.com/office/drawing/2014/main" id="{90F62CC9-BCF3-5D8D-EF6D-8658C0427AF2}"/>
+                <a16:creationId xmlns:a16="http://schemas.microsoft.com/office/drawing/2014/main" id="{AA5B45BB-643C-8FE1-A7D1-9A7C2D095BDA}"/>
               </a:ext>
             </a:extLst>
           </p:cNvPr>
@@ -2801,7 +2801,7 @@
           <p:cNvPr id="3" name="文本占位符 2">
             <a:extLst>
               <a:ext uri="{FF2B5EF4-FFF2-40B4-BE49-F238E27FC236}">
-                <a16:creationId xmlns:a16="http://schemas.microsoft.com/office/drawing/2014/main" id="{0441DFBD-51B1-4CBB-1D19-2F32EA3F5CF8}"/>
+                <a16:creationId xmlns:a16="http://schemas.microsoft.com/office/drawing/2014/main" id="{4004BEB3-00E0-9C7B-643C-2FE022894D0F}"/>
               </a:ext>
             </a:extLst>
           </p:cNvPr>
@@ -2868,7 +2868,7 @@
           <p:cNvPr id="4" name="日期占位符 3">
             <a:extLst>
               <a:ext uri="{FF2B5EF4-FFF2-40B4-BE49-F238E27FC236}">
-                <a16:creationId xmlns:a16="http://schemas.microsoft.com/office/drawing/2014/main" id="{5BC27EC2-8B80-60A3-EE65-F03387299AF5}"/>
+                <a16:creationId xmlns:a16="http://schemas.microsoft.com/office/drawing/2014/main" id="{1C75C327-53CF-CE18-533A-DCA35F5522E3}"/>
               </a:ext>
             </a:extLst>
           </p:cNvPr>
@@ -2902,7 +2902,7 @@
             </a:lvl1pPr>
           </a:lstStyle>
           <a:p>
-            <a:fld id="{59A1F7B0-1729-417B-9DD9-2291B03EEF32}" type="datetimeFigureOut">
+            <a:fld id="{FF178EBB-043E-4FBC-8DD0-09AB01FC3CE5}" type="datetimeFigureOut">
               <a:rPr lang="zh-CN" altLang="en-US" smtClean="0"/>
               <a:t>2024/3/10</a:t>
             </a:fld>
@@ -2915,7 +2915,7 @@
           <p:cNvPr id="5" name="页脚占位符 4">
             <a:extLst>
               <a:ext uri="{FF2B5EF4-FFF2-40B4-BE49-F238E27FC236}">
-                <a16:creationId xmlns:a16="http://schemas.microsoft.com/office/drawing/2014/main" id="{4FC3003C-3C02-CD18-1055-3DB7AFB59D58}"/>
+                <a16:creationId xmlns:a16="http://schemas.microsoft.com/office/drawing/2014/main" id="{783A1381-3F12-5081-F411-FFE0FED140BF}"/>
               </a:ext>
             </a:extLst>
           </p:cNvPr>
@@ -2958,7 +2958,7 @@
           <p:cNvPr id="6" name="灯片编号占位符 5">
             <a:extLst>
               <a:ext uri="{FF2B5EF4-FFF2-40B4-BE49-F238E27FC236}">
-                <a16:creationId xmlns:a16="http://schemas.microsoft.com/office/drawing/2014/main" id="{C9FD8B68-3DB7-AB87-6350-A97C7E17AF54}"/>
+                <a16:creationId xmlns:a16="http://schemas.microsoft.com/office/drawing/2014/main" id="{C0E7D3F4-E798-A1A7-EA06-A437AEFA5108}"/>
               </a:ext>
             </a:extLst>
           </p:cNvPr>
@@ -2992,7 +2992,7 @@
             </a:lvl1pPr>
           </a:lstStyle>
           <a:p>
-            <a:fld id="{47ABAE8B-76B0-471E-9274-6E0682F63F2C}" type="slidenum">
+            <a:fld id="{F9978193-79EA-4020-B353-39A01713AF64}" type="slidenum">
               <a:rPr lang="zh-CN" altLang="en-US" smtClean="0"/>
               <a:t>‹#›</a:t>
             </a:fld>
@@ -3003,7 +3003,7 @@
     </p:spTree>
     <p:extLst>
       <p:ext uri="{BB962C8B-B14F-4D97-AF65-F5344CB8AC3E}">
-        <p14:creationId xmlns:p14="http://schemas.microsoft.com/office/powerpoint/2010/main" val="2200134301"/>
+        <p14:creationId xmlns:p14="http://schemas.microsoft.com/office/powerpoint/2010/main" val="2163779460"/>
       </p:ext>
     </p:extLst>
   </p:cSld>
@@ -3323,7 +3323,7 @@
       </p:grpSpPr>
       <p:pic>
         <p:nvPicPr>
-          <p:cNvPr id="1600514" name="Picture 2" descr="1562"/>
+          <p:cNvPr id="1601538" name="Picture 2" descr="1563"/>
           <p:cNvPicPr>
             <a:picLocks noChangeAspect="1" noChangeArrowheads="1"/>
           </p:cNvPicPr>
@@ -3344,8 +3344,8 @@
         </p:blipFill>
         <p:spPr bwMode="auto">
           <a:xfrm>
-            <a:off x="1524000" y="1"/>
-            <a:ext cx="9124950" cy="6843713"/>
+            <a:off x="1524001" y="0"/>
+            <a:ext cx="9053513" cy="6789738"/>
           </a:xfrm>
           <a:prstGeom prst="rect">
             <a:avLst/>
